--- a/Delivery.pptx
+++ b/Delivery.pptx
@@ -10,7 +10,10 @@
     <p:sldId id="258" r:id="rId4"/>
     <p:sldId id="259" r:id="rId5"/>
     <p:sldId id="261" r:id="rId6"/>
-    <p:sldId id="260" r:id="rId7"/>
+    <p:sldId id="262" r:id="rId7"/>
+    <p:sldId id="263" r:id="rId8"/>
+    <p:sldId id="264" r:id="rId9"/>
+    <p:sldId id="260" r:id="rId10"/>
   </p:sldIdLst>
   <p:sldSz cx="12192000" cy="6858000"/>
   <p:notesSz cx="6858000" cy="9144000"/>
@@ -109,6 +112,11 @@
       </a:defRPr>
     </a:lvl9pPr>
   </p:defaultTextStyle>
+  <p:extLst>
+    <p:ext uri="{EFAFB233-063F-42B5-8137-9DF3F51BA10A}">
+      <p15:sldGuideLst xmlns:p15="http://schemas.microsoft.com/office/powerpoint/2012/main"/>
+    </p:ext>
+  </p:extLst>
 </p:presentation>
 </file>
 
@@ -7616,6 +7624,412 @@
       </p:grpSpPr>
       <p:sp>
         <p:nvSpPr>
+          <p:cNvPr id="4" name="Title 3">
+            <a:extLst>
+              <a:ext uri="{FF2B5EF4-FFF2-40B4-BE49-F238E27FC236}">
+                <a16:creationId xmlns:a16="http://schemas.microsoft.com/office/drawing/2014/main" id="{0E415D4D-0456-42EC-BA16-3B83DC30ED8C}"/>
+              </a:ext>
+            </a:extLst>
+          </p:cNvPr>
+          <p:cNvSpPr>
+            <a:spLocks noGrp="1"/>
+          </p:cNvSpPr>
+          <p:nvPr>
+            <p:ph type="title"/>
+          </p:nvPr>
+        </p:nvSpPr>
+        <p:spPr/>
+        <p:txBody>
+          <a:bodyPr/>
+          <a:lstStyle/>
+          <a:p>
+            <a:r>
+              <a:rPr lang="az-Latn-AZ" dirty="0"/>
+              <a:t>Mobile app</a:t>
+            </a:r>
+            <a:endParaRPr lang="en-US" dirty="0"/>
+          </a:p>
+        </p:txBody>
+      </p:sp>
+      <p:pic>
+        <p:nvPicPr>
+          <p:cNvPr id="17" name="Content Placeholder 16">
+            <a:extLst>
+              <a:ext uri="{FF2B5EF4-FFF2-40B4-BE49-F238E27FC236}">
+                <a16:creationId xmlns:a16="http://schemas.microsoft.com/office/drawing/2014/main" id="{C5DB053B-1257-4839-A072-87C8BA3F3A0E}"/>
+              </a:ext>
+            </a:extLst>
+          </p:cNvPr>
+          <p:cNvPicPr>
+            <a:picLocks noGrp="1" noChangeAspect="1"/>
+          </p:cNvPicPr>
+          <p:nvPr>
+            <p:ph sz="quarter" idx="4"/>
+          </p:nvPr>
+        </p:nvPicPr>
+        <p:blipFill>
+          <a:blip r:embed="rId2"/>
+          <a:stretch>
+            <a:fillRect/>
+          </a:stretch>
+        </p:blipFill>
+        <p:spPr>
+          <a:xfrm>
+            <a:off x="8549877" y="779402"/>
+            <a:ext cx="2587655" cy="5175311"/>
+          </a:xfrm>
+        </p:spPr>
+      </p:pic>
+      <p:pic>
+        <p:nvPicPr>
+          <p:cNvPr id="15" name="Content Placeholder 14">
+            <a:extLst>
+              <a:ext uri="{FF2B5EF4-FFF2-40B4-BE49-F238E27FC236}">
+                <a16:creationId xmlns:a16="http://schemas.microsoft.com/office/drawing/2014/main" id="{E88C4CC3-7434-4362-98F0-FE50FA39E321}"/>
+              </a:ext>
+            </a:extLst>
+          </p:cNvPr>
+          <p:cNvPicPr>
+            <a:picLocks noGrp="1" noChangeAspect="1"/>
+          </p:cNvPicPr>
+          <p:nvPr>
+            <p:ph sz="half" idx="2"/>
+          </p:nvPr>
+        </p:nvPicPr>
+        <p:blipFill>
+          <a:blip r:embed="rId3"/>
+          <a:stretch>
+            <a:fillRect/>
+          </a:stretch>
+        </p:blipFill>
+        <p:spPr bwMode="auto">
+          <a:xfrm>
+            <a:off x="4598590" y="779402"/>
+            <a:ext cx="2587655" cy="5175311"/>
+          </a:xfrm>
+          <a:prstGeom prst="rect">
+            <a:avLst/>
+          </a:prstGeom>
+          <a:noFill/>
+          <a:extLst>
+            <a:ext uri="{909E8E84-426E-40DD-AFC4-6F175D3DCCD1}">
+              <a14:hiddenFill xmlns:a14="http://schemas.microsoft.com/office/drawing/2010/main">
+                <a:solidFill>
+                  <a:srgbClr val="FFFFFF"/>
+                </a:solidFill>
+              </a14:hiddenFill>
+            </a:ext>
+          </a:extLst>
+        </p:spPr>
+      </p:pic>
+      <p:sp>
+        <p:nvSpPr>
+          <p:cNvPr id="13" name="AutoShape 10" descr="blob:https://web.whatsapp.com/96cafd0a-dfa5-4625-8144-35cd294041e6">
+            <a:extLst>
+              <a:ext uri="{FF2B5EF4-FFF2-40B4-BE49-F238E27FC236}">
+                <a16:creationId xmlns:a16="http://schemas.microsoft.com/office/drawing/2014/main" id="{D6DC232F-1F71-495D-971C-CD11948189FA}"/>
+              </a:ext>
+            </a:extLst>
+          </p:cNvPr>
+          <p:cNvSpPr>
+            <a:spLocks noChangeAspect="1" noChangeArrowheads="1"/>
+          </p:cNvSpPr>
+          <p:nvPr/>
+        </p:nvSpPr>
+        <p:spPr bwMode="auto">
+          <a:xfrm>
+            <a:off x="4785360" y="3154680"/>
+            <a:ext cx="304800" cy="304800"/>
+          </a:xfrm>
+          <a:prstGeom prst="rect">
+            <a:avLst/>
+          </a:prstGeom>
+          <a:noFill/>
+          <a:extLst>
+            <a:ext uri="{909E8E84-426E-40DD-AFC4-6F175D3DCCD1}">
+              <a14:hiddenFill xmlns:a14="http://schemas.microsoft.com/office/drawing/2010/main">
+                <a:solidFill>
+                  <a:srgbClr val="FFFFFF"/>
+                </a:solidFill>
+              </a14:hiddenFill>
+            </a:ext>
+          </a:extLst>
+        </p:spPr>
+        <p:txBody>
+          <a:bodyPr vert="horz" wrap="square" lIns="91440" tIns="45720" rIns="91440" bIns="45720" numCol="1" anchor="t" anchorCtr="0" compatLnSpc="1">
+            <a:prstTxWarp prst="textNoShape">
+              <a:avLst/>
+            </a:prstTxWarp>
+          </a:bodyPr>
+          <a:lstStyle/>
+          <a:p>
+            <a:endParaRPr lang="en-US"/>
+          </a:p>
+        </p:txBody>
+      </p:sp>
+    </p:spTree>
+    <p:extLst>
+      <p:ext uri="{BB962C8B-B14F-4D97-AF65-F5344CB8AC3E}">
+        <p14:creationId xmlns:p14="http://schemas.microsoft.com/office/powerpoint/2010/main" val="2233735833"/>
+      </p:ext>
+    </p:extLst>
+  </p:cSld>
+  <p:clrMapOvr>
+    <a:masterClrMapping/>
+  </p:clrMapOvr>
+</p:sld>
+</file>
+
+<file path=ppt/slides/slide7.xml><?xml version="1.0" encoding="utf-8"?>
+<p:sld xmlns:a="http://schemas.openxmlformats.org/drawingml/2006/main" xmlns:r="http://schemas.openxmlformats.org/officeDocument/2006/relationships" xmlns:p="http://schemas.openxmlformats.org/presentationml/2006/main">
+  <p:cSld>
+    <p:spTree>
+      <p:nvGrpSpPr>
+        <p:cNvPr id="1" name=""/>
+        <p:cNvGrpSpPr/>
+        <p:nvPr/>
+      </p:nvGrpSpPr>
+      <p:grpSpPr>
+        <a:xfrm>
+          <a:off x="0" y="0"/>
+          <a:ext cx="0" cy="0"/>
+          <a:chOff x="0" y="0"/>
+          <a:chExt cx="0" cy="0"/>
+        </a:xfrm>
+      </p:grpSpPr>
+      <p:sp>
+        <p:nvSpPr>
+          <p:cNvPr id="7" name="Title 6">
+            <a:extLst>
+              <a:ext uri="{FF2B5EF4-FFF2-40B4-BE49-F238E27FC236}">
+                <a16:creationId xmlns:a16="http://schemas.microsoft.com/office/drawing/2014/main" id="{8675C98F-8550-484B-AE60-23C43439886A}"/>
+              </a:ext>
+            </a:extLst>
+          </p:cNvPr>
+          <p:cNvSpPr>
+            <a:spLocks noGrp="1"/>
+          </p:cNvSpPr>
+          <p:nvPr>
+            <p:ph type="title"/>
+          </p:nvPr>
+        </p:nvSpPr>
+        <p:spPr/>
+        <p:txBody>
+          <a:bodyPr/>
+          <a:lstStyle/>
+          <a:p>
+            <a:r>
+              <a:rPr lang="en-US" dirty="0"/>
+              <a:t>Web portal</a:t>
+            </a:r>
+          </a:p>
+        </p:txBody>
+      </p:sp>
+      <p:pic>
+        <p:nvPicPr>
+          <p:cNvPr id="1026" name="Picture 2">
+            <a:extLst>
+              <a:ext uri="{FF2B5EF4-FFF2-40B4-BE49-F238E27FC236}">
+                <a16:creationId xmlns:a16="http://schemas.microsoft.com/office/drawing/2014/main" id="{652EE2BE-FFC2-44D3-8E19-EBEA41F74070}"/>
+              </a:ext>
+            </a:extLst>
+          </p:cNvPr>
+          <p:cNvPicPr>
+            <a:picLocks noChangeAspect="1" noChangeArrowheads="1"/>
+          </p:cNvPicPr>
+          <p:nvPr/>
+        </p:nvPicPr>
+        <p:blipFill>
+          <a:blip r:embed="rId2">
+            <a:extLst>
+              <a:ext uri="{28A0092B-C50C-407E-A947-70E740481C1C}">
+                <a14:useLocalDpi xmlns:a14="http://schemas.microsoft.com/office/drawing/2010/main" val="0"/>
+              </a:ext>
+            </a:extLst>
+          </a:blip>
+          <a:srcRect/>
+          <a:stretch>
+            <a:fillRect/>
+          </a:stretch>
+        </p:blipFill>
+        <p:spPr bwMode="auto">
+          <a:xfrm>
+            <a:off x="26988" y="0"/>
+            <a:ext cx="12138025" cy="6858000"/>
+          </a:xfrm>
+          <a:prstGeom prst="rect">
+            <a:avLst/>
+          </a:prstGeom>
+          <a:noFill/>
+          <a:extLst>
+            <a:ext uri="{909E8E84-426E-40DD-AFC4-6F175D3DCCD1}">
+              <a14:hiddenFill xmlns:a14="http://schemas.microsoft.com/office/drawing/2010/main">
+                <a:solidFill>
+                  <a:srgbClr val="FFFFFF"/>
+                </a:solidFill>
+              </a14:hiddenFill>
+            </a:ext>
+          </a:extLst>
+        </p:spPr>
+      </p:pic>
+      <p:pic>
+        <p:nvPicPr>
+          <p:cNvPr id="9" name="Picture 8">
+            <a:extLst>
+              <a:ext uri="{FF2B5EF4-FFF2-40B4-BE49-F238E27FC236}">
+                <a16:creationId xmlns:a16="http://schemas.microsoft.com/office/drawing/2014/main" id="{40982518-3AAB-435D-BC3F-0BA2002B956B}"/>
+              </a:ext>
+            </a:extLst>
+          </p:cNvPr>
+          <p:cNvPicPr>
+            <a:picLocks noChangeAspect="1"/>
+          </p:cNvPicPr>
+          <p:nvPr/>
+        </p:nvPicPr>
+        <p:blipFill>
+          <a:blip r:embed="rId3"/>
+          <a:stretch>
+            <a:fillRect/>
+          </a:stretch>
+        </p:blipFill>
+        <p:spPr>
+          <a:xfrm>
+            <a:off x="3619139" y="1033209"/>
+            <a:ext cx="8319942" cy="4700954"/>
+          </a:xfrm>
+          <a:prstGeom prst="rect">
+            <a:avLst/>
+          </a:prstGeom>
+        </p:spPr>
+      </p:pic>
+    </p:spTree>
+    <p:extLst>
+      <p:ext uri="{BB962C8B-B14F-4D97-AF65-F5344CB8AC3E}">
+        <p14:creationId xmlns:p14="http://schemas.microsoft.com/office/powerpoint/2010/main" val="2984831156"/>
+      </p:ext>
+    </p:extLst>
+  </p:cSld>
+  <p:clrMapOvr>
+    <a:masterClrMapping/>
+  </p:clrMapOvr>
+</p:sld>
+</file>
+
+<file path=ppt/slides/slide8.xml><?xml version="1.0" encoding="utf-8"?>
+<p:sld xmlns:a="http://schemas.openxmlformats.org/drawingml/2006/main" xmlns:r="http://schemas.openxmlformats.org/officeDocument/2006/relationships" xmlns:p="http://schemas.openxmlformats.org/presentationml/2006/main">
+  <p:cSld>
+    <p:spTree>
+      <p:nvGrpSpPr>
+        <p:cNvPr id="1" name=""/>
+        <p:cNvGrpSpPr/>
+        <p:nvPr/>
+      </p:nvGrpSpPr>
+      <p:grpSpPr>
+        <a:xfrm>
+          <a:off x="0" y="0"/>
+          <a:ext cx="0" cy="0"/>
+          <a:chOff x="0" y="0"/>
+          <a:chExt cx="0" cy="0"/>
+        </a:xfrm>
+      </p:grpSpPr>
+      <p:sp>
+        <p:nvSpPr>
+          <p:cNvPr id="2" name="Title 1">
+            <a:extLst>
+              <a:ext uri="{FF2B5EF4-FFF2-40B4-BE49-F238E27FC236}">
+                <a16:creationId xmlns:a16="http://schemas.microsoft.com/office/drawing/2014/main" id="{8C26FD34-E1A5-4A87-AE5F-6E6D951058A3}"/>
+              </a:ext>
+            </a:extLst>
+          </p:cNvPr>
+          <p:cNvSpPr>
+            <a:spLocks noGrp="1"/>
+          </p:cNvSpPr>
+          <p:nvPr>
+            <p:ph type="title"/>
+          </p:nvPr>
+        </p:nvSpPr>
+        <p:spPr/>
+        <p:txBody>
+          <a:bodyPr/>
+          <a:lstStyle/>
+          <a:p>
+            <a:r>
+              <a:rPr lang="en-US" dirty="0"/>
+              <a:t>W</a:t>
+            </a:r>
+            <a:r>
+              <a:rPr lang="en-US"/>
+              <a:t>eb </a:t>
+            </a:r>
+            <a:r>
+              <a:rPr lang="en-US" dirty="0"/>
+              <a:t>portal</a:t>
+            </a:r>
+          </a:p>
+        </p:txBody>
+      </p:sp>
+      <p:pic>
+        <p:nvPicPr>
+          <p:cNvPr id="4" name="Picture 3">
+            <a:extLst>
+              <a:ext uri="{FF2B5EF4-FFF2-40B4-BE49-F238E27FC236}">
+                <a16:creationId xmlns:a16="http://schemas.microsoft.com/office/drawing/2014/main" id="{276427F5-38B2-4009-A894-B8334A82C91D}"/>
+              </a:ext>
+            </a:extLst>
+          </p:cNvPr>
+          <p:cNvPicPr>
+            <a:picLocks noChangeAspect="1"/>
+          </p:cNvPicPr>
+          <p:nvPr/>
+        </p:nvPicPr>
+        <p:blipFill>
+          <a:blip r:embed="rId2"/>
+          <a:stretch>
+            <a:fillRect/>
+          </a:stretch>
+        </p:blipFill>
+        <p:spPr>
+          <a:xfrm>
+            <a:off x="3649852" y="1335498"/>
+            <a:ext cx="8014609" cy="4187004"/>
+          </a:xfrm>
+          <a:prstGeom prst="rect">
+            <a:avLst/>
+          </a:prstGeom>
+        </p:spPr>
+      </p:pic>
+    </p:spTree>
+    <p:extLst>
+      <p:ext uri="{BB962C8B-B14F-4D97-AF65-F5344CB8AC3E}">
+        <p14:creationId xmlns:p14="http://schemas.microsoft.com/office/powerpoint/2010/main" val="3174986449"/>
+      </p:ext>
+    </p:extLst>
+  </p:cSld>
+  <p:clrMapOvr>
+    <a:masterClrMapping/>
+  </p:clrMapOvr>
+</p:sld>
+</file>
+
+<file path=ppt/slides/slide9.xml><?xml version="1.0" encoding="utf-8"?>
+<p:sld xmlns:a="http://schemas.openxmlformats.org/drawingml/2006/main" xmlns:r="http://schemas.openxmlformats.org/officeDocument/2006/relationships" xmlns:p="http://schemas.openxmlformats.org/presentationml/2006/main">
+  <p:cSld>
+    <p:spTree>
+      <p:nvGrpSpPr>
+        <p:cNvPr id="1" name=""/>
+        <p:cNvGrpSpPr/>
+        <p:nvPr/>
+      </p:nvGrpSpPr>
+      <p:grpSpPr>
+        <a:xfrm>
+          <a:off x="0" y="0"/>
+          <a:ext cx="0" cy="0"/>
+          <a:chOff x="0" y="0"/>
+          <a:chExt cx="0" cy="0"/>
+        </a:xfrm>
+      </p:grpSpPr>
+      <p:sp>
+        <p:nvSpPr>
           <p:cNvPr id="2" name="Title 1">
             <a:extLst>
               <a:ext uri="{FF2B5EF4-FFF2-40B4-BE49-F238E27FC236}">
